--- a/Submission/Presentation.pptx
+++ b/Submission/Presentation.pptx
@@ -9,9 +9,10 @@
     <p:sldId id="257" r:id="rId3"/>
     <p:sldId id="258" r:id="rId4"/>
     <p:sldId id="262" r:id="rId5"/>
-    <p:sldId id="259" r:id="rId6"/>
-    <p:sldId id="260" r:id="rId7"/>
-    <p:sldId id="261" r:id="rId8"/>
+    <p:sldId id="263" r:id="rId6"/>
+    <p:sldId id="259" r:id="rId7"/>
+    <p:sldId id="260" r:id="rId8"/>
+    <p:sldId id="261" r:id="rId9"/>
   </p:sldIdLst>
   <p:sldSz cx="9144000" cy="6858000" type="screen4x3"/>
   <p:notesSz cx="6858000" cy="9144000"/>
@@ -110,6 +111,22 @@
       </a:defRPr>
     </a:lvl9pPr>
   </p:defaultTextStyle>
+  <p:extLst>
+    <p:ext uri="{EFAFB233-063F-42B5-8137-9DF3F51BA10A}">
+      <p15:sldGuideLst xmlns:p15="http://schemas.microsoft.com/office/powerpoint/2012/main">
+        <p15:guide id="1" orient="horz" pos="2160">
+          <p15:clr>
+            <a:srgbClr val="A4A3A4"/>
+          </p15:clr>
+        </p15:guide>
+        <p15:guide id="2" pos="2880">
+          <p15:clr>
+            <a:srgbClr val="A4A3A4"/>
+          </p15:clr>
+        </p15:guide>
+      </p15:sldGuideLst>
+    </p:ext>
+  </p:extLst>
 </p:presentation>
 </file>
 
@@ -3444,7 +3461,7 @@
 </file>
 
 <file path=ppt/slides/slide5.xml><?xml version="1.0" encoding="utf-8"?>
-<p:sld xmlns:a="http://schemas.openxmlformats.org/drawingml/2006/main" xmlns:r="http://schemas.openxmlformats.org/officeDocument/2006/relationships" xmlns:p="http://schemas.openxmlformats.org/presentationml/2006/main" show="0">
+<p:sld xmlns:a="http://schemas.openxmlformats.org/drawingml/2006/main" xmlns:r="http://schemas.openxmlformats.org/officeDocument/2006/relationships" xmlns:p="http://schemas.openxmlformats.org/presentationml/2006/main">
   <p:cSld>
     <p:spTree>
       <p:nvGrpSpPr>
@@ -3477,7 +3494,7 @@
           <a:p>
             <a:r>
               <a:rPr lang="en-US" dirty="0" smtClean="0"/>
-              <a:t>Task 1: Data Preprocessing</a:t>
+              <a:t>Questions?</a:t>
             </a:r>
             <a:endParaRPr lang="en-US" dirty="0"/>
           </a:p>
@@ -3495,109 +3512,23 @@
         </p:nvSpPr>
         <p:spPr/>
         <p:txBody>
-          <a:bodyPr>
-            <a:normAutofit lnSpcReduction="10000"/>
-          </a:bodyPr>
-          <a:lstStyle/>
-          <a:p>
-            <a:r>
-              <a:rPr lang="en-US" dirty="0" smtClean="0"/>
-              <a:t>Reduced dataset size</a:t>
-            </a:r>
-          </a:p>
-          <a:p>
-            <a:pPr lvl="1"/>
-            <a:r>
-              <a:rPr lang="en-US" dirty="0" smtClean="0"/>
-              <a:t>Reduced based on time/space limits: 4 </a:t>
-            </a:r>
-            <a:r>
-              <a:rPr lang="en-US" dirty="0" err="1" smtClean="0"/>
-              <a:t>hrs</a:t>
-            </a:r>
-            <a:r>
-              <a:rPr lang="en-US" dirty="0" smtClean="0"/>
-              <a:t>, 10 </a:t>
-            </a:r>
-            <a:r>
-              <a:rPr lang="en-US" dirty="0" err="1" smtClean="0"/>
-              <a:t>nmi</a:t>
-            </a:r>
-            <a:endParaRPr lang="en-US" dirty="0" smtClean="0"/>
-          </a:p>
-          <a:p>
-            <a:pPr lvl="1"/>
-            <a:r>
-              <a:rPr lang="en-US" dirty="0" smtClean="0"/>
-              <a:t>Reduced into </a:t>
-            </a:r>
-            <a:r>
-              <a:rPr lang="en-US" dirty="0" err="1" smtClean="0"/>
-              <a:t>sincle</a:t>
-            </a:r>
-            <a:r>
-              <a:rPr lang="en-US" dirty="0" smtClean="0"/>
-              <a:t> data point per MMSI per 30 minute time block</a:t>
-            </a:r>
-          </a:p>
-          <a:p>
-            <a:r>
-              <a:rPr lang="en-US" dirty="0" smtClean="0"/>
-              <a:t>Data conversions</a:t>
-            </a:r>
-          </a:p>
-          <a:p>
-            <a:pPr lvl="1"/>
-            <a:r>
-              <a:rPr lang="en-US" dirty="0" smtClean="0"/>
-              <a:t>Converted date/time field to date and time from 1/1/1970</a:t>
-            </a:r>
-          </a:p>
-          <a:p>
-            <a:pPr lvl="1"/>
-            <a:r>
-              <a:rPr lang="en-US" dirty="0" err="1" smtClean="0"/>
-              <a:t>Lat</a:t>
-            </a:r>
-            <a:r>
-              <a:rPr lang="en-US" dirty="0" smtClean="0"/>
-              <a:t>/Lon handling:</a:t>
-            </a:r>
-          </a:p>
-          <a:p>
-            <a:pPr lvl="2"/>
-            <a:r>
-              <a:rPr lang="en-US" dirty="0" smtClean="0"/>
-              <a:t>Normalized</a:t>
-            </a:r>
-          </a:p>
-          <a:p>
-            <a:pPr lvl="2"/>
-            <a:r>
-              <a:rPr lang="en-US" dirty="0" smtClean="0"/>
-              <a:t>Converted to UTM to provide scope of magnitude</a:t>
-            </a:r>
+          <a:bodyPr/>
+          <a:lstStyle/>
+          <a:p>
+            <a:endParaRPr lang="en-US"/>
           </a:p>
         </p:txBody>
       </p:sp>
     </p:spTree>
     <p:extLst>
       <p:ext uri="{BB962C8B-B14F-4D97-AF65-F5344CB8AC3E}">
-        <p14:creationId xmlns:p14="http://schemas.microsoft.com/office/powerpoint/2010/main" val="4027140101"/>
+        <p14:creationId xmlns:p14="http://schemas.microsoft.com/office/powerpoint/2010/main" val="3244372557"/>
       </p:ext>
     </p:extLst>
   </p:cSld>
   <p:clrMapOvr>
     <a:masterClrMapping/>
   </p:clrMapOvr>
-  <mc:AlternateContent xmlns:mc="http://schemas.openxmlformats.org/markup-compatibility/2006">
-    <mc:Choice xmlns:p14="http://schemas.microsoft.com/office/powerpoint/2010/main" Requires="p14">
-      <p:transition spd="slow" p14:dur="2000"/>
-    </mc:Choice>
-    <mc:Fallback>
-      <p:transition spd="slow"/>
-    </mc:Fallback>
-  </mc:AlternateContent>
 </p:sld>
 </file>
 
@@ -3635,6 +3566,164 @@
           <a:p>
             <a:r>
               <a:rPr lang="en-US" dirty="0" smtClean="0"/>
+              <a:t>Task 1: Data Preprocessing</a:t>
+            </a:r>
+            <a:endParaRPr lang="en-US" dirty="0"/>
+          </a:p>
+        </p:txBody>
+      </p:sp>
+      <p:sp>
+        <p:nvSpPr>
+          <p:cNvPr id="3" name="Content Placeholder 2"/>
+          <p:cNvSpPr>
+            <a:spLocks noGrp="1"/>
+          </p:cNvSpPr>
+          <p:nvPr>
+            <p:ph idx="1"/>
+          </p:nvPr>
+        </p:nvSpPr>
+        <p:spPr/>
+        <p:txBody>
+          <a:bodyPr>
+            <a:normAutofit lnSpcReduction="10000"/>
+          </a:bodyPr>
+          <a:lstStyle/>
+          <a:p>
+            <a:r>
+              <a:rPr lang="en-US" dirty="0" smtClean="0"/>
+              <a:t>Reduced dataset size</a:t>
+            </a:r>
+          </a:p>
+          <a:p>
+            <a:pPr lvl="1"/>
+            <a:r>
+              <a:rPr lang="en-US" dirty="0" smtClean="0"/>
+              <a:t>Reduced based on time/space limits: 4 </a:t>
+            </a:r>
+            <a:r>
+              <a:rPr lang="en-US" dirty="0" err="1" smtClean="0"/>
+              <a:t>hrs</a:t>
+            </a:r>
+            <a:r>
+              <a:rPr lang="en-US" dirty="0" smtClean="0"/>
+              <a:t>, 10 </a:t>
+            </a:r>
+            <a:r>
+              <a:rPr lang="en-US" dirty="0" err="1" smtClean="0"/>
+              <a:t>nmi</a:t>
+            </a:r>
+            <a:endParaRPr lang="en-US" dirty="0" smtClean="0"/>
+          </a:p>
+          <a:p>
+            <a:pPr lvl="1"/>
+            <a:r>
+              <a:rPr lang="en-US" dirty="0" smtClean="0"/>
+              <a:t>Reduced into </a:t>
+            </a:r>
+            <a:r>
+              <a:rPr lang="en-US" dirty="0" err="1" smtClean="0"/>
+              <a:t>sincle</a:t>
+            </a:r>
+            <a:r>
+              <a:rPr lang="en-US" dirty="0" smtClean="0"/>
+              <a:t> data point per MMSI per 30 minute time block</a:t>
+            </a:r>
+          </a:p>
+          <a:p>
+            <a:r>
+              <a:rPr lang="en-US" dirty="0" smtClean="0"/>
+              <a:t>Data conversions</a:t>
+            </a:r>
+          </a:p>
+          <a:p>
+            <a:pPr lvl="1"/>
+            <a:r>
+              <a:rPr lang="en-US" dirty="0" smtClean="0"/>
+              <a:t>Converted date/time field to date and time from 1/1/1970</a:t>
+            </a:r>
+          </a:p>
+          <a:p>
+            <a:pPr lvl="1"/>
+            <a:r>
+              <a:rPr lang="en-US" dirty="0" err="1" smtClean="0"/>
+              <a:t>Lat</a:t>
+            </a:r>
+            <a:r>
+              <a:rPr lang="en-US" dirty="0" smtClean="0"/>
+              <a:t>/Lon handling:</a:t>
+            </a:r>
+          </a:p>
+          <a:p>
+            <a:pPr lvl="2"/>
+            <a:r>
+              <a:rPr lang="en-US" dirty="0" smtClean="0"/>
+              <a:t>Normalized</a:t>
+            </a:r>
+          </a:p>
+          <a:p>
+            <a:pPr lvl="2"/>
+            <a:r>
+              <a:rPr lang="en-US" dirty="0" smtClean="0"/>
+              <a:t>Converted to UTM to provide scope of magnitude</a:t>
+            </a:r>
+          </a:p>
+        </p:txBody>
+      </p:sp>
+    </p:spTree>
+    <p:extLst>
+      <p:ext uri="{BB962C8B-B14F-4D97-AF65-F5344CB8AC3E}">
+        <p14:creationId xmlns:p14="http://schemas.microsoft.com/office/powerpoint/2010/main" val="4027140101"/>
+      </p:ext>
+    </p:extLst>
+  </p:cSld>
+  <p:clrMapOvr>
+    <a:masterClrMapping/>
+  </p:clrMapOvr>
+  <mc:AlternateContent xmlns:mc="http://schemas.openxmlformats.org/markup-compatibility/2006" xmlns:p14="http://schemas.microsoft.com/office/powerpoint/2010/main">
+    <mc:Choice Requires="p14">
+      <p:transition spd="slow" p14:dur="2000"/>
+    </mc:Choice>
+    <mc:Fallback xmlns="">
+      <p:transition spd="slow"/>
+    </mc:Fallback>
+  </mc:AlternateContent>
+</p:sld>
+</file>
+
+<file path=ppt/slides/slide7.xml><?xml version="1.0" encoding="utf-8"?>
+<p:sld xmlns:a="http://schemas.openxmlformats.org/drawingml/2006/main" xmlns:r="http://schemas.openxmlformats.org/officeDocument/2006/relationships" xmlns:p="http://schemas.openxmlformats.org/presentationml/2006/main" show="0">
+  <p:cSld>
+    <p:spTree>
+      <p:nvGrpSpPr>
+        <p:cNvPr id="1" name=""/>
+        <p:cNvGrpSpPr/>
+        <p:nvPr/>
+      </p:nvGrpSpPr>
+      <p:grpSpPr>
+        <a:xfrm>
+          <a:off x="0" y="0"/>
+          <a:ext cx="0" cy="0"/>
+          <a:chOff x="0" y="0"/>
+          <a:chExt cx="0" cy="0"/>
+        </a:xfrm>
+      </p:grpSpPr>
+      <p:sp>
+        <p:nvSpPr>
+          <p:cNvPr id="2" name="Title 1"/>
+          <p:cNvSpPr>
+            <a:spLocks noGrp="1"/>
+          </p:cNvSpPr>
+          <p:nvPr>
+            <p:ph type="title"/>
+          </p:nvPr>
+        </p:nvSpPr>
+        <p:spPr/>
+        <p:txBody>
+          <a:bodyPr/>
+          <a:lstStyle/>
+          <a:p>
+            <a:r>
+              <a:rPr lang="en-US" dirty="0" smtClean="0"/>
               <a:t>Task 1: Algorithms</a:t>
             </a:r>
             <a:endParaRPr lang="en-US" dirty="0"/>
@@ -3724,18 +3813,18 @@
   <p:clrMapOvr>
     <a:masterClrMapping/>
   </p:clrMapOvr>
-  <mc:AlternateContent xmlns:mc="http://schemas.openxmlformats.org/markup-compatibility/2006">
-    <mc:Choice xmlns:p14="http://schemas.microsoft.com/office/powerpoint/2010/main" Requires="p14">
+  <mc:AlternateContent xmlns:mc="http://schemas.openxmlformats.org/markup-compatibility/2006" xmlns:p14="http://schemas.microsoft.com/office/powerpoint/2010/main">
+    <mc:Choice Requires="p14">
       <p:transition spd="slow" p14:dur="2000"/>
     </mc:Choice>
-    <mc:Fallback>
+    <mc:Fallback xmlns="">
       <p:transition spd="slow"/>
     </mc:Fallback>
   </mc:AlternateContent>
 </p:sld>
 </file>
 
-<file path=ppt/slides/slide7.xml><?xml version="1.0" encoding="utf-8"?>
+<file path=ppt/slides/slide8.xml><?xml version="1.0" encoding="utf-8"?>
 <p:sld xmlns:a="http://schemas.openxmlformats.org/drawingml/2006/main" xmlns:r="http://schemas.openxmlformats.org/officeDocument/2006/relationships" xmlns:p="http://schemas.openxmlformats.org/presentationml/2006/main">
   <p:cSld>
     <p:spTree>

--- a/Submission/Presentation.pptx
+++ b/Submission/Presentation.pptx
@@ -6,9 +6,9 @@
   </p:sldMasterIdLst>
   <p:sldIdLst>
     <p:sldId id="256" r:id="rId2"/>
-    <p:sldId id="257" r:id="rId3"/>
-    <p:sldId id="258" r:id="rId4"/>
-    <p:sldId id="262" r:id="rId5"/>
+    <p:sldId id="262" r:id="rId3"/>
+    <p:sldId id="265" r:id="rId4"/>
+    <p:sldId id="264" r:id="rId5"/>
     <p:sldId id="263" r:id="rId6"/>
     <p:sldId id="259" r:id="rId7"/>
     <p:sldId id="260" r:id="rId8"/>
@@ -3178,6 +3178,13 @@
   <p:clrMapOvr>
     <a:masterClrMapping/>
   </p:clrMapOvr>
+  <p:timing>
+    <p:tnLst>
+      <p:par>
+        <p:cTn id="1" dur="indefinite" restart="never" nodeType="tmRoot"/>
+      </p:par>
+    </p:tnLst>
+  </p:timing>
 </p:sld>
 </file>
 
@@ -3215,7 +3222,7 @@
           <a:p>
             <a:r>
               <a:rPr lang="en-US" dirty="0" smtClean="0"/>
-              <a:t>Goals</a:t>
+              <a:t>Tasks</a:t>
             </a:r>
             <a:endParaRPr lang="en-US" dirty="0"/>
           </a:p>
@@ -3233,18 +3240,33 @@
         </p:nvSpPr>
         <p:spPr/>
         <p:txBody>
-          <a:bodyPr/>
+          <a:bodyPr>
+            <a:normAutofit lnSpcReduction="10000"/>
+          </a:bodyPr>
           <a:lstStyle/>
           <a:p>
             <a:r>
               <a:rPr lang="en-US" dirty="0" smtClean="0"/>
-              <a:t>Identify interactions between vessels</a:t>
-            </a:r>
-          </a:p>
-          <a:p>
+              <a:t>Produce a clustering algorithm that took time and movement into consideration</a:t>
+            </a:r>
+          </a:p>
+          <a:p>
+            <a:pPr lvl="1"/>
             <a:r>
               <a:rPr lang="en-US" dirty="0" smtClean="0"/>
-              <a:t>Create behavioral models for ships’ interactions</a:t>
+              <a:t>Not cluster points from same vessel into group</a:t>
+            </a:r>
+          </a:p>
+          <a:p>
+            <a:r>
+              <a:rPr lang="en-US" dirty="0" smtClean="0"/>
+              <a:t>Associate space-time clusters into potential interaction pairs</a:t>
+            </a:r>
+          </a:p>
+          <a:p>
+            <a:r>
+              <a:rPr lang="en-US" dirty="0" smtClean="0"/>
+              <a:t>Task 2: User interaction pairs to identify type of interactions and use classifier to identify type of interaction from the location, time, and other features</a:t>
             </a:r>
             <a:endParaRPr lang="en-US" dirty="0"/>
           </a:p>
@@ -3253,13 +3275,20 @@
     </p:spTree>
     <p:extLst>
       <p:ext uri="{BB962C8B-B14F-4D97-AF65-F5344CB8AC3E}">
-        <p14:creationId xmlns:p14="http://schemas.microsoft.com/office/powerpoint/2010/main" val="2088797282"/>
+        <p14:creationId xmlns:p14="http://schemas.microsoft.com/office/powerpoint/2010/main" val="413827583"/>
       </p:ext>
     </p:extLst>
   </p:cSld>
   <p:clrMapOvr>
     <a:masterClrMapping/>
   </p:clrMapOvr>
+  <p:timing>
+    <p:tnLst>
+      <p:par>
+        <p:cTn id="1" dur="indefinite" restart="never" nodeType="tmRoot"/>
+      </p:par>
+    </p:tnLst>
+  </p:timing>
 </p:sld>
 </file>
 
@@ -3297,65 +3326,58 @@
           <a:p>
             <a:r>
               <a:rPr lang="en-US" dirty="0" smtClean="0"/>
-              <a:t>Task 1: Work Performed</a:t>
+              <a:t>Full Paths</a:t>
             </a:r>
             <a:endParaRPr lang="en-US" dirty="0"/>
           </a:p>
         </p:txBody>
       </p:sp>
-      <p:sp>
-        <p:nvSpPr>
-          <p:cNvPr id="3" name="Content Placeholder 2"/>
-          <p:cNvSpPr>
-            <a:spLocks noGrp="1"/>
-          </p:cNvSpPr>
+      <p:pic>
+        <p:nvPicPr>
+          <p:cNvPr id="4" name="Content Placeholder 3"/>
+          <p:cNvPicPr>
+            <a:picLocks noGrp="1" noChangeAspect="1"/>
+          </p:cNvPicPr>
           <p:nvPr>
             <p:ph idx="1"/>
           </p:nvPr>
-        </p:nvSpPr>
-        <p:spPr/>
-        <p:txBody>
-          <a:bodyPr/>
-          <a:lstStyle/>
-          <a:p>
-            <a:r>
-              <a:rPr lang="en-US" dirty="0" smtClean="0"/>
-              <a:t>Environment set-up</a:t>
-            </a:r>
-          </a:p>
-          <a:p>
-            <a:r>
-              <a:rPr lang="en-US" dirty="0" smtClean="0"/>
-              <a:t>Idea generation</a:t>
-            </a:r>
-          </a:p>
-          <a:p>
-            <a:r>
-              <a:rPr lang="en-US" dirty="0" smtClean="0"/>
-              <a:t>Data exploration/pre-processing</a:t>
-            </a:r>
-          </a:p>
-          <a:p>
-            <a:r>
-              <a:rPr lang="en-US" dirty="0" smtClean="0"/>
-              <a:t>Algorithm development</a:t>
-            </a:r>
-          </a:p>
-          <a:p>
-            <a:endParaRPr lang="en-US" dirty="0"/>
-          </a:p>
-        </p:txBody>
-      </p:sp>
+        </p:nvPicPr>
+        <p:blipFill>
+          <a:blip r:embed="rId2">
+            <a:extLst>
+              <a:ext uri="{28A0092B-C50C-407E-A947-70E740481C1C}">
+                <a14:useLocalDpi xmlns:a14="http://schemas.microsoft.com/office/drawing/2010/main" val="0"/>
+              </a:ext>
+            </a:extLst>
+          </a:blip>
+          <a:stretch>
+            <a:fillRect/>
+          </a:stretch>
+        </p:blipFill>
+        <p:spPr>
+          <a:xfrm>
+            <a:off x="2348035" y="1600200"/>
+            <a:ext cx="4447929" cy="4525963"/>
+          </a:xfrm>
+        </p:spPr>
+      </p:pic>
     </p:spTree>
     <p:extLst>
       <p:ext uri="{BB962C8B-B14F-4D97-AF65-F5344CB8AC3E}">
-        <p14:creationId xmlns:p14="http://schemas.microsoft.com/office/powerpoint/2010/main" val="4282838146"/>
+        <p14:creationId xmlns:p14="http://schemas.microsoft.com/office/powerpoint/2010/main" val="1906751981"/>
       </p:ext>
     </p:extLst>
   </p:cSld>
   <p:clrMapOvr>
     <a:masterClrMapping/>
   </p:clrMapOvr>
+  <p:timing>
+    <p:tnLst>
+      <p:par>
+        <p:cTn id="1" dur="indefinite" restart="never" nodeType="tmRoot"/>
+      </p:par>
+    </p:tnLst>
+  </p:timing>
 </p:sld>
 </file>
 
@@ -3393,70 +3415,58 @@
           <a:p>
             <a:r>
               <a:rPr lang="en-US" dirty="0" smtClean="0"/>
-              <a:t>Work Remaining</a:t>
+              <a:t>Clustered Points</a:t>
             </a:r>
             <a:endParaRPr lang="en-US" dirty="0"/>
           </a:p>
         </p:txBody>
       </p:sp>
-      <p:sp>
-        <p:nvSpPr>
-          <p:cNvPr id="3" name="Content Placeholder 2"/>
-          <p:cNvSpPr>
-            <a:spLocks noGrp="1"/>
-          </p:cNvSpPr>
+      <p:pic>
+        <p:nvPicPr>
+          <p:cNvPr id="4" name="Content Placeholder 3"/>
+          <p:cNvPicPr>
+            <a:picLocks noGrp="1" noChangeAspect="1"/>
+          </p:cNvPicPr>
           <p:nvPr>
             <p:ph idx="1"/>
           </p:nvPr>
-        </p:nvSpPr>
-        <p:spPr/>
-        <p:txBody>
-          <a:bodyPr>
-            <a:normAutofit lnSpcReduction="10000"/>
-          </a:bodyPr>
-          <a:lstStyle/>
-          <a:p>
-            <a:r>
-              <a:rPr lang="en-US" dirty="0" smtClean="0"/>
-              <a:t>Produce a clustering algorithm that took time and movement into consideration</a:t>
-            </a:r>
-          </a:p>
-          <a:p>
-            <a:pPr lvl="1"/>
-            <a:r>
-              <a:rPr lang="en-US" dirty="0" smtClean="0"/>
-              <a:t>Not cluster points from same vessel into group</a:t>
-            </a:r>
-          </a:p>
-          <a:p>
-            <a:r>
-              <a:rPr lang="en-US" dirty="0" smtClean="0"/>
-              <a:t>Associate space-time clusters into potential interaction pairs</a:t>
-            </a:r>
-          </a:p>
-          <a:p>
-            <a:r>
-              <a:rPr lang="en-US" dirty="0" smtClean="0"/>
-              <a:t>Task 2: User interaction pairs to identify type of interactions and use classifier to identify type of interaction from the location, time, and </a:t>
-            </a:r>
-            <a:r>
-              <a:rPr lang="en-US" smtClean="0"/>
-              <a:t>other features</a:t>
-            </a:r>
-            <a:endParaRPr lang="en-US" dirty="0"/>
-          </a:p>
-        </p:txBody>
-      </p:sp>
+        </p:nvPicPr>
+        <p:blipFill>
+          <a:blip r:embed="rId2">
+            <a:extLst>
+              <a:ext uri="{28A0092B-C50C-407E-A947-70E740481C1C}">
+                <a14:useLocalDpi xmlns:a14="http://schemas.microsoft.com/office/drawing/2010/main" val="0"/>
+              </a:ext>
+            </a:extLst>
+          </a:blip>
+          <a:stretch>
+            <a:fillRect/>
+          </a:stretch>
+        </p:blipFill>
+        <p:spPr>
+          <a:xfrm>
+            <a:off x="2156853" y="1828800"/>
+            <a:ext cx="4830294" cy="4525963"/>
+          </a:xfrm>
+        </p:spPr>
+      </p:pic>
     </p:spTree>
     <p:extLst>
       <p:ext uri="{BB962C8B-B14F-4D97-AF65-F5344CB8AC3E}">
-        <p14:creationId xmlns:p14="http://schemas.microsoft.com/office/powerpoint/2010/main" val="413827583"/>
+        <p14:creationId xmlns:p14="http://schemas.microsoft.com/office/powerpoint/2010/main" val="3329066594"/>
       </p:ext>
     </p:extLst>
   </p:cSld>
   <p:clrMapOvr>
     <a:masterClrMapping/>
   </p:clrMapOvr>
+  <p:timing>
+    <p:tnLst>
+      <p:par>
+        <p:cTn id="1" dur="indefinite" restart="never" nodeType="tmRoot"/>
+      </p:par>
+    </p:tnLst>
+  </p:timing>
 </p:sld>
 </file>
 
@@ -3529,6 +3539,13 @@
   <p:clrMapOvr>
     <a:masterClrMapping/>
   </p:clrMapOvr>
+  <p:timing>
+    <p:tnLst>
+      <p:par>
+        <p:cTn id="1" dur="indefinite" restart="never" nodeType="tmRoot"/>
+      </p:par>
+    </p:tnLst>
+  </p:timing>
 </p:sld>
 </file>
 
@@ -3687,6 +3704,13 @@
       <p:transition spd="slow"/>
     </mc:Fallback>
   </mc:AlternateContent>
+  <p:timing>
+    <p:tnLst>
+      <p:par>
+        <p:cTn id="1" dur="indefinite" restart="never" nodeType="tmRoot"/>
+      </p:par>
+    </p:tnLst>
+  </p:timing>
 </p:sld>
 </file>
 
@@ -3825,7 +3849,7 @@
 </file>
 
 <file path=ppt/slides/slide8.xml><?xml version="1.0" encoding="utf-8"?>
-<p:sld xmlns:a="http://schemas.openxmlformats.org/drawingml/2006/main" xmlns:r="http://schemas.openxmlformats.org/officeDocument/2006/relationships" xmlns:p="http://schemas.openxmlformats.org/presentationml/2006/main">
+<p:sld xmlns:a="http://schemas.openxmlformats.org/drawingml/2006/main" xmlns:r="http://schemas.openxmlformats.org/officeDocument/2006/relationships" xmlns:p="http://schemas.openxmlformats.org/presentationml/2006/main" show="0">
   <p:cSld>
     <p:spTree>
       <p:nvGrpSpPr>
@@ -3893,6 +3917,14 @@
   <p:clrMapOvr>
     <a:masterClrMapping/>
   </p:clrMapOvr>
+  <mc:AlternateContent xmlns:mc="http://schemas.openxmlformats.org/markup-compatibility/2006">
+    <mc:Choice xmlns:p14="http://schemas.microsoft.com/office/powerpoint/2010/main" Requires="p14">
+      <p:transition spd="slow" p14:dur="2000"/>
+    </mc:Choice>
+    <mc:Fallback>
+      <p:transition spd="slow"/>
+    </mc:Fallback>
+  </mc:AlternateContent>
 </p:sld>
 </file>
 
